--- a/Presentation/Bubble issue Jan 2024 mux.pptx
+++ b/Presentation/Bubble issue Jan 2024 mux.pptx
@@ -9,6 +9,7 @@
     <p:sldId id="256" r:id="rId3"/>
     <p:sldId id="258" r:id="rId4"/>
     <p:sldId id="259" r:id="rId5"/>
+    <p:sldId id="262" r:id="rId6"/>
   </p:sldIdLst>
   <p:sldSz cx="12192000" cy="6858000"/>
   <p:notesSz cx="6858000" cy="9144000"/>
@@ -107,6 +108,11 @@
       </a:defRPr>
     </a:lvl9pPr>
   </p:defaultTextStyle>
+  <p:extLst>
+    <p:ext uri="{EFAFB233-063F-42B5-8137-9DF3F51BA10A}">
+      <p15:sldGuideLst xmlns:p15="http://schemas.microsoft.com/office/powerpoint/2012/main"/>
+    </p:ext>
+  </p:extLst>
 </p:presentation>
 </file>
 
@@ -4229,7 +4235,7 @@
           <a:p>
             <a:fld id="{0F939D3D-C052-447F-AF72-803AA7F2A4AB}" type="datetimeFigureOut">
               <a:rPr lang="en-US" smtClean="0"/>
-              <a:t>1/3/2025</a:t>
+              <a:t>3/21/2025</a:t>
             </a:fld>
             <a:endParaRPr lang="en-US"/>
           </a:p>
@@ -4427,7 +4433,7 @@
           <a:p>
             <a:fld id="{0F939D3D-C052-447F-AF72-803AA7F2A4AB}" type="datetimeFigureOut">
               <a:rPr lang="en-US" smtClean="0"/>
-              <a:t>1/3/2025</a:t>
+              <a:t>3/21/2025</a:t>
             </a:fld>
             <a:endParaRPr lang="en-US"/>
           </a:p>
@@ -4635,7 +4641,7 @@
           <a:p>
             <a:fld id="{0F939D3D-C052-447F-AF72-803AA7F2A4AB}" type="datetimeFigureOut">
               <a:rPr lang="en-US" smtClean="0"/>
-              <a:t>1/3/2025</a:t>
+              <a:t>3/21/2025</a:t>
             </a:fld>
             <a:endParaRPr lang="en-US"/>
           </a:p>
@@ -4833,7 +4839,7 @@
           <a:p>
             <a:fld id="{0F939D3D-C052-447F-AF72-803AA7F2A4AB}" type="datetimeFigureOut">
               <a:rPr lang="en-US" smtClean="0"/>
-              <a:t>1/3/2025</a:t>
+              <a:t>3/21/2025</a:t>
             </a:fld>
             <a:endParaRPr lang="en-US"/>
           </a:p>
@@ -5108,7 +5114,7 @@
           <a:p>
             <a:fld id="{0F939D3D-C052-447F-AF72-803AA7F2A4AB}" type="datetimeFigureOut">
               <a:rPr lang="en-US" smtClean="0"/>
-              <a:t>1/3/2025</a:t>
+              <a:t>3/21/2025</a:t>
             </a:fld>
             <a:endParaRPr lang="en-US"/>
           </a:p>
@@ -5373,7 +5379,7 @@
           <a:p>
             <a:fld id="{0F939D3D-C052-447F-AF72-803AA7F2A4AB}" type="datetimeFigureOut">
               <a:rPr lang="en-US" smtClean="0"/>
-              <a:t>1/3/2025</a:t>
+              <a:t>3/21/2025</a:t>
             </a:fld>
             <a:endParaRPr lang="en-US"/>
           </a:p>
@@ -5785,7 +5791,7 @@
           <a:p>
             <a:fld id="{0F939D3D-C052-447F-AF72-803AA7F2A4AB}" type="datetimeFigureOut">
               <a:rPr lang="en-US" smtClean="0"/>
-              <a:t>1/3/2025</a:t>
+              <a:t>3/21/2025</a:t>
             </a:fld>
             <a:endParaRPr lang="en-US"/>
           </a:p>
@@ -5926,7 +5932,7 @@
           <a:p>
             <a:fld id="{0F939D3D-C052-447F-AF72-803AA7F2A4AB}" type="datetimeFigureOut">
               <a:rPr lang="en-US" smtClean="0"/>
-              <a:t>1/3/2025</a:t>
+              <a:t>3/21/2025</a:t>
             </a:fld>
             <a:endParaRPr lang="en-US"/>
           </a:p>
@@ -6039,7 +6045,7 @@
           <a:p>
             <a:fld id="{0F939D3D-C052-447F-AF72-803AA7F2A4AB}" type="datetimeFigureOut">
               <a:rPr lang="en-US" smtClean="0"/>
-              <a:t>1/3/2025</a:t>
+              <a:t>3/21/2025</a:t>
             </a:fld>
             <a:endParaRPr lang="en-US"/>
           </a:p>
@@ -6350,7 +6356,7 @@
           <a:p>
             <a:fld id="{0F939D3D-C052-447F-AF72-803AA7F2A4AB}" type="datetimeFigureOut">
               <a:rPr lang="en-US" smtClean="0"/>
-              <a:t>1/3/2025</a:t>
+              <a:t>3/21/2025</a:t>
             </a:fld>
             <a:endParaRPr lang="en-US"/>
           </a:p>
@@ -6638,7 +6644,7 @@
           <a:p>
             <a:fld id="{0F939D3D-C052-447F-AF72-803AA7F2A4AB}" type="datetimeFigureOut">
               <a:rPr lang="en-US" smtClean="0"/>
-              <a:t>1/3/2025</a:t>
+              <a:t>3/21/2025</a:t>
             </a:fld>
             <a:endParaRPr lang="en-US"/>
           </a:p>
@@ -6879,7 +6885,7 @@
           <a:p>
             <a:fld id="{0F939D3D-C052-447F-AF72-803AA7F2A4AB}" type="datetimeFigureOut">
               <a:rPr lang="en-US" smtClean="0"/>
-              <a:t>1/3/2025</a:t>
+              <a:t>3/21/2025</a:t>
             </a:fld>
             <a:endParaRPr lang="en-US"/>
           </a:p>
@@ -7324,7 +7330,7 @@
           <a:p>
             <a:r>
               <a:rPr lang="en-US" dirty="0"/>
-              <a:t>Bubble issue?</a:t>
+              <a:t>Bubble issue with MUX and OB1 control</a:t>
             </a:r>
           </a:p>
         </p:txBody>
@@ -7365,7 +7371,13 @@
           <a:p>
             <a:r>
               <a:rPr lang="en-US" sz="2000" dirty="0"/>
-              <a:t>One hypothesis is MUX valve homing which seems to be a built in action that I cannot control, but happens if valve isn’t moved every x minutes. Possible that it still does it after Y time too, but its unknown. </a:t>
+              <a:t>One hypothesis is MUX valve homing which seems to be a built in action that I cannot control, but happens if valve isn’t moved every x minutes. Possible that it still does it after Y time too, but its unknown.</a:t>
+            </a:r>
+          </a:p>
+          <a:p>
+            <a:r>
+              <a:rPr lang="en-US" sz="2000" dirty="0"/>
+              <a:t>Ob1 sometimes disobeys commands and need to cut power to have control over a hard stop point </a:t>
             </a:r>
           </a:p>
         </p:txBody>
@@ -8439,6 +8451,866 @@
     <p:extLst>
       <p:ext uri="{BB962C8B-B14F-4D97-AF65-F5344CB8AC3E}">
         <p14:creationId xmlns:p14="http://schemas.microsoft.com/office/powerpoint/2010/main" val="3512389005"/>
+      </p:ext>
+    </p:extLst>
+  </p:cSld>
+  <p:clrMapOvr>
+    <a:masterClrMapping/>
+  </p:clrMapOvr>
+</p:sld>
+</file>
+
+<file path=ppt/slides/slide5.xml><?xml version="1.0" encoding="utf-8"?>
+<p:sld xmlns:a="http://schemas.openxmlformats.org/drawingml/2006/main" xmlns:r="http://schemas.openxmlformats.org/officeDocument/2006/relationships" xmlns:p="http://schemas.openxmlformats.org/presentationml/2006/main">
+  <p:cSld>
+    <p:spTree>
+      <p:nvGrpSpPr>
+        <p:cNvPr id="1" name=""/>
+        <p:cNvGrpSpPr/>
+        <p:nvPr/>
+      </p:nvGrpSpPr>
+      <p:grpSpPr>
+        <a:xfrm>
+          <a:off x="0" y="0"/>
+          <a:ext cx="0" cy="0"/>
+          <a:chOff x="0" y="0"/>
+          <a:chExt cx="0" cy="0"/>
+        </a:xfrm>
+      </p:grpSpPr>
+      <p:sp>
+        <p:nvSpPr>
+          <p:cNvPr id="2" name="Title 1">
+            <a:extLst>
+              <a:ext uri="{FF2B5EF4-FFF2-40B4-BE49-F238E27FC236}">
+                <a16:creationId xmlns:a16="http://schemas.microsoft.com/office/drawing/2014/main" id="{90FC8574-19FD-C891-135A-F7AAD781EB2A}"/>
+              </a:ext>
+            </a:extLst>
+          </p:cNvPr>
+          <p:cNvSpPr>
+            <a:spLocks noGrp="1"/>
+          </p:cNvSpPr>
+          <p:nvPr>
+            <p:ph type="title"/>
+          </p:nvPr>
+        </p:nvSpPr>
+        <p:spPr>
+          <a:xfrm>
+            <a:off x="0" y="0"/>
+            <a:ext cx="10515600" cy="600075"/>
+          </a:xfrm>
+        </p:spPr>
+        <p:txBody>
+          <a:bodyPr>
+            <a:normAutofit fontScale="90000"/>
+          </a:bodyPr>
+          <a:lstStyle/>
+          <a:p>
+            <a:r>
+              <a:rPr lang="en-US" dirty="0"/>
+              <a:t>Digital Back Flips for Fluidic System</a:t>
+            </a:r>
+          </a:p>
+        </p:txBody>
+      </p:sp>
+      <p:sp>
+        <p:nvSpPr>
+          <p:cNvPr id="3" name="Content Placeholder 2">
+            <a:extLst>
+              <a:ext uri="{FF2B5EF4-FFF2-40B4-BE49-F238E27FC236}">
+                <a16:creationId xmlns:a16="http://schemas.microsoft.com/office/drawing/2014/main" id="{D347075F-B012-3713-51E5-F9083D37FFDA}"/>
+              </a:ext>
+            </a:extLst>
+          </p:cNvPr>
+          <p:cNvSpPr>
+            <a:spLocks noGrp="1"/>
+          </p:cNvSpPr>
+          <p:nvPr>
+            <p:ph idx="1"/>
+          </p:nvPr>
+        </p:nvSpPr>
+        <p:spPr>
+          <a:xfrm>
+            <a:off x="462280" y="789305"/>
+            <a:ext cx="10515600" cy="600075"/>
+          </a:xfrm>
+        </p:spPr>
+        <p:txBody>
+          <a:bodyPr>
+            <a:normAutofit/>
+          </a:bodyPr>
+          <a:lstStyle/>
+          <a:p>
+            <a:r>
+              <a:rPr lang="en-US" sz="2000" dirty="0"/>
+              <a:t>Unreliability in fluidic system stemming from system freezes and not accepting commands</a:t>
+            </a:r>
+          </a:p>
+        </p:txBody>
+      </p:sp>
+      <p:pic>
+        <p:nvPicPr>
+          <p:cNvPr id="5" name="Picture 4">
+            <a:extLst>
+              <a:ext uri="{FF2B5EF4-FFF2-40B4-BE49-F238E27FC236}">
+                <a16:creationId xmlns:a16="http://schemas.microsoft.com/office/drawing/2014/main" id="{D0C61731-DC2F-BD63-D5D4-75B1A0D95C2C}"/>
+              </a:ext>
+            </a:extLst>
+          </p:cNvPr>
+          <p:cNvPicPr>
+            <a:picLocks noChangeAspect="1"/>
+          </p:cNvPicPr>
+          <p:nvPr/>
+        </p:nvPicPr>
+        <p:blipFill>
+          <a:blip r:embed="rId2"/>
+          <a:stretch>
+            <a:fillRect/>
+          </a:stretch>
+        </p:blipFill>
+        <p:spPr>
+          <a:xfrm>
+            <a:off x="248921" y="3797465"/>
+            <a:ext cx="2585719" cy="2752877"/>
+          </a:xfrm>
+          <a:prstGeom prst="rect">
+            <a:avLst/>
+          </a:prstGeom>
+        </p:spPr>
+      </p:pic>
+      <p:sp>
+        <p:nvSpPr>
+          <p:cNvPr id="8" name="TextBox 7">
+            <a:extLst>
+              <a:ext uri="{FF2B5EF4-FFF2-40B4-BE49-F238E27FC236}">
+                <a16:creationId xmlns:a16="http://schemas.microsoft.com/office/drawing/2014/main" id="{23AD19F4-FB25-8967-5F33-2280EFCB63DE}"/>
+              </a:ext>
+            </a:extLst>
+          </p:cNvPr>
+          <p:cNvSpPr txBox="1"/>
+          <p:nvPr/>
+        </p:nvSpPr>
+        <p:spPr>
+          <a:xfrm>
+            <a:off x="3664326" y="1675550"/>
+            <a:ext cx="1279282" cy="523220"/>
+          </a:xfrm>
+          <a:prstGeom prst="rect">
+            <a:avLst/>
+          </a:prstGeom>
+          <a:solidFill>
+            <a:schemeClr val="tx1"/>
+          </a:solidFill>
+        </p:spPr>
+        <p:txBody>
+          <a:bodyPr wrap="square" rtlCol="0">
+            <a:spAutoFit/>
+          </a:bodyPr>
+          <a:lstStyle/>
+          <a:p>
+            <a:r>
+              <a:rPr lang="en-US" sz="2800" b="1" dirty="0">
+                <a:solidFill>
+                  <a:srgbClr val="FF0000"/>
+                </a:solidFill>
+              </a:rPr>
+              <a:t>Python</a:t>
+            </a:r>
+          </a:p>
+        </p:txBody>
+      </p:sp>
+      <p:pic>
+        <p:nvPicPr>
+          <p:cNvPr id="10" name="Picture 9">
+            <a:extLst>
+              <a:ext uri="{FF2B5EF4-FFF2-40B4-BE49-F238E27FC236}">
+                <a16:creationId xmlns:a16="http://schemas.microsoft.com/office/drawing/2014/main" id="{8641FAD2-74EF-3D5E-6D67-284EE91EF33E}"/>
+              </a:ext>
+            </a:extLst>
+          </p:cNvPr>
+          <p:cNvPicPr>
+            <a:picLocks noChangeAspect="1"/>
+          </p:cNvPicPr>
+          <p:nvPr/>
+        </p:nvPicPr>
+        <p:blipFill>
+          <a:blip r:embed="rId3"/>
+          <a:stretch>
+            <a:fillRect/>
+          </a:stretch>
+        </p:blipFill>
+        <p:spPr>
+          <a:xfrm>
+            <a:off x="7346706" y="2198770"/>
+            <a:ext cx="4596373" cy="4234097"/>
+          </a:xfrm>
+          <a:prstGeom prst="rect">
+            <a:avLst/>
+          </a:prstGeom>
+        </p:spPr>
+      </p:pic>
+      <p:cxnSp>
+        <p:nvCxnSpPr>
+          <p:cNvPr id="12" name="Straight Arrow Connector 11">
+            <a:extLst>
+              <a:ext uri="{FF2B5EF4-FFF2-40B4-BE49-F238E27FC236}">
+                <a16:creationId xmlns:a16="http://schemas.microsoft.com/office/drawing/2014/main" id="{08F22E9B-E01D-38FA-410D-383DE9EA09B8}"/>
+              </a:ext>
+            </a:extLst>
+          </p:cNvPr>
+          <p:cNvCxnSpPr/>
+          <p:nvPr/>
+        </p:nvCxnSpPr>
+        <p:spPr>
+          <a:xfrm flipH="1" flipV="1">
+            <a:off x="5384800" y="2042160"/>
+            <a:ext cx="2194560" cy="914400"/>
+          </a:xfrm>
+          <a:prstGeom prst="straightConnector1">
+            <a:avLst/>
+          </a:prstGeom>
+          <a:ln w="38100">
+            <a:solidFill>
+              <a:srgbClr val="00B050"/>
+            </a:solidFill>
+            <a:tailEnd type="triangle"/>
+          </a:ln>
+        </p:spPr>
+        <p:style>
+          <a:lnRef idx="1">
+            <a:schemeClr val="accent1"/>
+          </a:lnRef>
+          <a:fillRef idx="0">
+            <a:schemeClr val="accent1"/>
+          </a:fillRef>
+          <a:effectRef idx="0">
+            <a:schemeClr val="accent1"/>
+          </a:effectRef>
+          <a:fontRef idx="minor">
+            <a:schemeClr val="tx1"/>
+          </a:fontRef>
+        </p:style>
+      </p:cxnSp>
+      <p:cxnSp>
+        <p:nvCxnSpPr>
+          <p:cNvPr id="13" name="Straight Arrow Connector 12">
+            <a:extLst>
+              <a:ext uri="{FF2B5EF4-FFF2-40B4-BE49-F238E27FC236}">
+                <a16:creationId xmlns:a16="http://schemas.microsoft.com/office/drawing/2014/main" id="{56FD7D21-B4D7-BF30-B988-037CD199D6E0}"/>
+              </a:ext>
+            </a:extLst>
+          </p:cNvPr>
+          <p:cNvCxnSpPr/>
+          <p:nvPr/>
+        </p:nvCxnSpPr>
+        <p:spPr>
+          <a:xfrm flipH="1" flipV="1">
+            <a:off x="5384800" y="2331812"/>
+            <a:ext cx="2194560" cy="914400"/>
+          </a:xfrm>
+          <a:prstGeom prst="straightConnector1">
+            <a:avLst/>
+          </a:prstGeom>
+          <a:ln w="38100">
+            <a:solidFill>
+              <a:srgbClr val="FA4CF2"/>
+            </a:solidFill>
+            <a:tailEnd type="triangle"/>
+          </a:ln>
+        </p:spPr>
+        <p:style>
+          <a:lnRef idx="1">
+            <a:schemeClr val="accent1"/>
+          </a:lnRef>
+          <a:fillRef idx="0">
+            <a:schemeClr val="accent1"/>
+          </a:fillRef>
+          <a:effectRef idx="0">
+            <a:schemeClr val="accent1"/>
+          </a:effectRef>
+          <a:fontRef idx="minor">
+            <a:schemeClr val="tx1"/>
+          </a:fontRef>
+        </p:style>
+      </p:cxnSp>
+      <p:sp>
+        <p:nvSpPr>
+          <p:cNvPr id="14" name="TextBox 13">
+            <a:extLst>
+              <a:ext uri="{FF2B5EF4-FFF2-40B4-BE49-F238E27FC236}">
+                <a16:creationId xmlns:a16="http://schemas.microsoft.com/office/drawing/2014/main" id="{31AE948D-5945-FBF4-EBDF-4E338937E6D1}"/>
+              </a:ext>
+            </a:extLst>
+          </p:cNvPr>
+          <p:cNvSpPr txBox="1"/>
+          <p:nvPr/>
+        </p:nvSpPr>
+        <p:spPr>
+          <a:xfrm rot="1436203">
+            <a:off x="5378529" y="2798041"/>
+            <a:ext cx="1928220" cy="369332"/>
+          </a:xfrm>
+          <a:prstGeom prst="rect">
+            <a:avLst/>
+          </a:prstGeom>
+          <a:noFill/>
+        </p:spPr>
+        <p:txBody>
+          <a:bodyPr wrap="none" rtlCol="0">
+            <a:spAutoFit/>
+          </a:bodyPr>
+          <a:lstStyle/>
+          <a:p>
+            <a:r>
+              <a:rPr lang="en-US" dirty="0"/>
+              <a:t>Frozen Flow meter</a:t>
+            </a:r>
+          </a:p>
+        </p:txBody>
+      </p:sp>
+      <p:sp>
+        <p:nvSpPr>
+          <p:cNvPr id="16" name="TextBox 15">
+            <a:extLst>
+              <a:ext uri="{FF2B5EF4-FFF2-40B4-BE49-F238E27FC236}">
+                <a16:creationId xmlns:a16="http://schemas.microsoft.com/office/drawing/2014/main" id="{BFC27B7B-E8A1-3032-26D6-3FAA7A1D7B5D}"/>
+              </a:ext>
+            </a:extLst>
+          </p:cNvPr>
+          <p:cNvSpPr txBox="1"/>
+          <p:nvPr/>
+        </p:nvSpPr>
+        <p:spPr>
+          <a:xfrm rot="1268080">
+            <a:off x="5066237" y="2068842"/>
+            <a:ext cx="2824043" cy="369332"/>
+          </a:xfrm>
+          <a:prstGeom prst="rect">
+            <a:avLst/>
+          </a:prstGeom>
+          <a:noFill/>
+        </p:spPr>
+        <p:txBody>
+          <a:bodyPr wrap="none" rtlCol="0">
+            <a:spAutoFit/>
+          </a:bodyPr>
+          <a:lstStyle/>
+          <a:p>
+            <a:r>
+              <a:rPr lang="en-US" dirty="0"/>
+              <a:t>Didn’t respond to command</a:t>
+            </a:r>
+          </a:p>
+        </p:txBody>
+      </p:sp>
+      <p:cxnSp>
+        <p:nvCxnSpPr>
+          <p:cNvPr id="17" name="Straight Arrow Connector 16">
+            <a:extLst>
+              <a:ext uri="{FF2B5EF4-FFF2-40B4-BE49-F238E27FC236}">
+                <a16:creationId xmlns:a16="http://schemas.microsoft.com/office/drawing/2014/main" id="{2F1E50CB-2A09-6498-E50E-67C60E06CFD4}"/>
+              </a:ext>
+            </a:extLst>
+          </p:cNvPr>
+          <p:cNvCxnSpPr>
+            <a:cxnSpLocks/>
+          </p:cNvCxnSpPr>
+          <p:nvPr/>
+        </p:nvCxnSpPr>
+        <p:spPr>
+          <a:xfrm>
+            <a:off x="5401292" y="1522422"/>
+            <a:ext cx="2031004" cy="795820"/>
+          </a:xfrm>
+          <a:prstGeom prst="straightConnector1">
+            <a:avLst/>
+          </a:prstGeom>
+          <a:ln w="38100">
+            <a:solidFill>
+              <a:srgbClr val="00B050"/>
+            </a:solidFill>
+            <a:tailEnd type="triangle"/>
+          </a:ln>
+        </p:spPr>
+        <p:style>
+          <a:lnRef idx="1">
+            <a:schemeClr val="accent1"/>
+          </a:lnRef>
+          <a:fillRef idx="0">
+            <a:schemeClr val="accent1"/>
+          </a:fillRef>
+          <a:effectRef idx="0">
+            <a:schemeClr val="accent1"/>
+          </a:effectRef>
+          <a:fontRef idx="minor">
+            <a:schemeClr val="tx1"/>
+          </a:fontRef>
+        </p:style>
+      </p:cxnSp>
+      <p:sp>
+        <p:nvSpPr>
+          <p:cNvPr id="20" name="TextBox 19">
+            <a:extLst>
+              <a:ext uri="{FF2B5EF4-FFF2-40B4-BE49-F238E27FC236}">
+                <a16:creationId xmlns:a16="http://schemas.microsoft.com/office/drawing/2014/main" id="{510D0CE6-66D5-6832-67F3-25A777DF0587}"/>
+              </a:ext>
+            </a:extLst>
+          </p:cNvPr>
+          <p:cNvSpPr txBox="1"/>
+          <p:nvPr/>
+        </p:nvSpPr>
+        <p:spPr>
+          <a:xfrm rot="1226647">
+            <a:off x="5693594" y="1609409"/>
+            <a:ext cx="1863459" cy="369332"/>
+          </a:xfrm>
+          <a:prstGeom prst="rect">
+            <a:avLst/>
+          </a:prstGeom>
+          <a:noFill/>
+        </p:spPr>
+        <p:txBody>
+          <a:bodyPr wrap="none" rtlCol="0">
+            <a:spAutoFit/>
+          </a:bodyPr>
+          <a:lstStyle/>
+          <a:p>
+            <a:r>
+              <a:rPr lang="en-US" dirty="0"/>
+              <a:t>Resend command</a:t>
+            </a:r>
+          </a:p>
+        </p:txBody>
+      </p:sp>
+      <p:cxnSp>
+        <p:nvCxnSpPr>
+          <p:cNvPr id="22" name="Straight Arrow Connector 21">
+            <a:extLst>
+              <a:ext uri="{FF2B5EF4-FFF2-40B4-BE49-F238E27FC236}">
+                <a16:creationId xmlns:a16="http://schemas.microsoft.com/office/drawing/2014/main" id="{AD8F4977-FF33-1F1C-E74A-968B7B129201}"/>
+              </a:ext>
+            </a:extLst>
+          </p:cNvPr>
+          <p:cNvCxnSpPr>
+            <a:cxnSpLocks/>
+          </p:cNvCxnSpPr>
+          <p:nvPr/>
+        </p:nvCxnSpPr>
+        <p:spPr>
+          <a:xfrm flipH="1">
+            <a:off x="2834640" y="2244920"/>
+            <a:ext cx="829686" cy="1402520"/>
+          </a:xfrm>
+          <a:prstGeom prst="straightConnector1">
+            <a:avLst/>
+          </a:prstGeom>
+          <a:ln w="38100">
+            <a:solidFill>
+              <a:srgbClr val="FA4CF2"/>
+            </a:solidFill>
+            <a:tailEnd type="triangle"/>
+          </a:ln>
+        </p:spPr>
+        <p:style>
+          <a:lnRef idx="1">
+            <a:schemeClr val="accent1"/>
+          </a:lnRef>
+          <a:fillRef idx="0">
+            <a:schemeClr val="accent1"/>
+          </a:fillRef>
+          <a:effectRef idx="0">
+            <a:schemeClr val="accent1"/>
+          </a:effectRef>
+          <a:fontRef idx="minor">
+            <a:schemeClr val="tx1"/>
+          </a:fontRef>
+        </p:style>
+      </p:cxnSp>
+      <p:sp>
+        <p:nvSpPr>
+          <p:cNvPr id="24" name="TextBox 23">
+            <a:extLst>
+              <a:ext uri="{FF2B5EF4-FFF2-40B4-BE49-F238E27FC236}">
+                <a16:creationId xmlns:a16="http://schemas.microsoft.com/office/drawing/2014/main" id="{7347BB82-E891-2C97-AE1E-80B783139338}"/>
+              </a:ext>
+            </a:extLst>
+          </p:cNvPr>
+          <p:cNvSpPr txBox="1"/>
+          <p:nvPr/>
+        </p:nvSpPr>
+        <p:spPr>
+          <a:xfrm rot="18164026">
+            <a:off x="1671168" y="2008646"/>
+            <a:ext cx="2484264" cy="646331"/>
+          </a:xfrm>
+          <a:prstGeom prst="rect">
+            <a:avLst/>
+          </a:prstGeom>
+          <a:noFill/>
+        </p:spPr>
+        <p:txBody>
+          <a:bodyPr wrap="square" rtlCol="0">
+            <a:spAutoFit/>
+          </a:bodyPr>
+          <a:lstStyle/>
+          <a:p>
+            <a:r>
+              <a:rPr lang="en-US" dirty="0"/>
+              <a:t>Tell power strip to power cycle OB1</a:t>
+            </a:r>
+          </a:p>
+        </p:txBody>
+      </p:sp>
+      <p:sp>
+        <p:nvSpPr>
+          <p:cNvPr id="25" name="Freeform: Shape 24">
+            <a:extLst>
+              <a:ext uri="{FF2B5EF4-FFF2-40B4-BE49-F238E27FC236}">
+                <a16:creationId xmlns:a16="http://schemas.microsoft.com/office/drawing/2014/main" id="{E17C7BB5-F812-C94C-3A6C-C4B7C234AF57}"/>
+              </a:ext>
+            </a:extLst>
+          </p:cNvPr>
+          <p:cNvSpPr/>
+          <p:nvPr/>
+        </p:nvSpPr>
+        <p:spPr>
+          <a:xfrm>
+            <a:off x="2854960" y="3434080"/>
+            <a:ext cx="4988560" cy="1798320"/>
+          </a:xfrm>
+          <a:custGeom>
+            <a:avLst/>
+            <a:gdLst>
+              <a:gd name="connsiteX0" fmla="*/ 4988560 w 4988560"/>
+              <a:gd name="connsiteY0" fmla="*/ 0 h 1798320"/>
+              <a:gd name="connsiteX1" fmla="*/ 4765040 w 4988560"/>
+              <a:gd name="connsiteY1" fmla="*/ 193040 h 1798320"/>
+              <a:gd name="connsiteX2" fmla="*/ 4521200 w 4988560"/>
+              <a:gd name="connsiteY2" fmla="*/ 406400 h 1798320"/>
+              <a:gd name="connsiteX3" fmla="*/ 4358640 w 4988560"/>
+              <a:gd name="connsiteY3" fmla="*/ 518160 h 1798320"/>
+              <a:gd name="connsiteX4" fmla="*/ 4236720 w 4988560"/>
+              <a:gd name="connsiteY4" fmla="*/ 609600 h 1798320"/>
+              <a:gd name="connsiteX5" fmla="*/ 4175760 w 4988560"/>
+              <a:gd name="connsiteY5" fmla="*/ 629920 h 1798320"/>
+              <a:gd name="connsiteX6" fmla="*/ 4135120 w 4988560"/>
+              <a:gd name="connsiteY6" fmla="*/ 660400 h 1798320"/>
+              <a:gd name="connsiteX7" fmla="*/ 3708400 w 4988560"/>
+              <a:gd name="connsiteY7" fmla="*/ 812800 h 1798320"/>
+              <a:gd name="connsiteX8" fmla="*/ 3220720 w 4988560"/>
+              <a:gd name="connsiteY8" fmla="*/ 955040 h 1798320"/>
+              <a:gd name="connsiteX9" fmla="*/ 2946400 w 4988560"/>
+              <a:gd name="connsiteY9" fmla="*/ 1056640 h 1798320"/>
+              <a:gd name="connsiteX10" fmla="*/ 2692400 w 4988560"/>
+              <a:gd name="connsiteY10" fmla="*/ 1137920 h 1798320"/>
+              <a:gd name="connsiteX11" fmla="*/ 2468880 w 4988560"/>
+              <a:gd name="connsiteY11" fmla="*/ 1229360 h 1798320"/>
+              <a:gd name="connsiteX12" fmla="*/ 1991360 w 4988560"/>
+              <a:gd name="connsiteY12" fmla="*/ 1391920 h 1798320"/>
+              <a:gd name="connsiteX13" fmla="*/ 1849120 w 4988560"/>
+              <a:gd name="connsiteY13" fmla="*/ 1442720 h 1798320"/>
+              <a:gd name="connsiteX14" fmla="*/ 1676400 w 4988560"/>
+              <a:gd name="connsiteY14" fmla="*/ 1493520 h 1798320"/>
+              <a:gd name="connsiteX15" fmla="*/ 1574800 w 4988560"/>
+              <a:gd name="connsiteY15" fmla="*/ 1524000 h 1798320"/>
+              <a:gd name="connsiteX16" fmla="*/ 1473200 w 4988560"/>
+              <a:gd name="connsiteY16" fmla="*/ 1544320 h 1798320"/>
+              <a:gd name="connsiteX17" fmla="*/ 1148080 w 4988560"/>
+              <a:gd name="connsiteY17" fmla="*/ 1635760 h 1798320"/>
+              <a:gd name="connsiteX18" fmla="*/ 1117600 w 4988560"/>
+              <a:gd name="connsiteY18" fmla="*/ 1656080 h 1798320"/>
+              <a:gd name="connsiteX19" fmla="*/ 934720 w 4988560"/>
+              <a:gd name="connsiteY19" fmla="*/ 1686560 h 1798320"/>
+              <a:gd name="connsiteX20" fmla="*/ 843280 w 4988560"/>
+              <a:gd name="connsiteY20" fmla="*/ 1706880 h 1798320"/>
+              <a:gd name="connsiteX21" fmla="*/ 660400 w 4988560"/>
+              <a:gd name="connsiteY21" fmla="*/ 1727200 h 1798320"/>
+              <a:gd name="connsiteX22" fmla="*/ 477520 w 4988560"/>
+              <a:gd name="connsiteY22" fmla="*/ 1757680 h 1798320"/>
+              <a:gd name="connsiteX23" fmla="*/ 294640 w 4988560"/>
+              <a:gd name="connsiteY23" fmla="*/ 1778000 h 1798320"/>
+              <a:gd name="connsiteX24" fmla="*/ 213360 w 4988560"/>
+              <a:gd name="connsiteY24" fmla="*/ 1788160 h 1798320"/>
+              <a:gd name="connsiteX25" fmla="*/ 0 w 4988560"/>
+              <a:gd name="connsiteY25" fmla="*/ 1798320 h 1798320"/>
+            </a:gdLst>
+            <a:ahLst/>
+            <a:cxnLst>
+              <a:cxn ang="0">
+                <a:pos x="connsiteX0" y="connsiteY0"/>
+              </a:cxn>
+              <a:cxn ang="0">
+                <a:pos x="connsiteX1" y="connsiteY1"/>
+              </a:cxn>
+              <a:cxn ang="0">
+                <a:pos x="connsiteX2" y="connsiteY2"/>
+              </a:cxn>
+              <a:cxn ang="0">
+                <a:pos x="connsiteX3" y="connsiteY3"/>
+              </a:cxn>
+              <a:cxn ang="0">
+                <a:pos x="connsiteX4" y="connsiteY4"/>
+              </a:cxn>
+              <a:cxn ang="0">
+                <a:pos x="connsiteX5" y="connsiteY5"/>
+              </a:cxn>
+              <a:cxn ang="0">
+                <a:pos x="connsiteX6" y="connsiteY6"/>
+              </a:cxn>
+              <a:cxn ang="0">
+                <a:pos x="connsiteX7" y="connsiteY7"/>
+              </a:cxn>
+              <a:cxn ang="0">
+                <a:pos x="connsiteX8" y="connsiteY8"/>
+              </a:cxn>
+              <a:cxn ang="0">
+                <a:pos x="connsiteX9" y="connsiteY9"/>
+              </a:cxn>
+              <a:cxn ang="0">
+                <a:pos x="connsiteX10" y="connsiteY10"/>
+              </a:cxn>
+              <a:cxn ang="0">
+                <a:pos x="connsiteX11" y="connsiteY11"/>
+              </a:cxn>
+              <a:cxn ang="0">
+                <a:pos x="connsiteX12" y="connsiteY12"/>
+              </a:cxn>
+              <a:cxn ang="0">
+                <a:pos x="connsiteX13" y="connsiteY13"/>
+              </a:cxn>
+              <a:cxn ang="0">
+                <a:pos x="connsiteX14" y="connsiteY14"/>
+              </a:cxn>
+              <a:cxn ang="0">
+                <a:pos x="connsiteX15" y="connsiteY15"/>
+              </a:cxn>
+              <a:cxn ang="0">
+                <a:pos x="connsiteX16" y="connsiteY16"/>
+              </a:cxn>
+              <a:cxn ang="0">
+                <a:pos x="connsiteX17" y="connsiteY17"/>
+              </a:cxn>
+              <a:cxn ang="0">
+                <a:pos x="connsiteX18" y="connsiteY18"/>
+              </a:cxn>
+              <a:cxn ang="0">
+                <a:pos x="connsiteX19" y="connsiteY19"/>
+              </a:cxn>
+              <a:cxn ang="0">
+                <a:pos x="connsiteX20" y="connsiteY20"/>
+              </a:cxn>
+              <a:cxn ang="0">
+                <a:pos x="connsiteX21" y="connsiteY21"/>
+              </a:cxn>
+              <a:cxn ang="0">
+                <a:pos x="connsiteX22" y="connsiteY22"/>
+              </a:cxn>
+              <a:cxn ang="0">
+                <a:pos x="connsiteX23" y="connsiteY23"/>
+              </a:cxn>
+              <a:cxn ang="0">
+                <a:pos x="connsiteX24" y="connsiteY24"/>
+              </a:cxn>
+              <a:cxn ang="0">
+                <a:pos x="connsiteX25" y="connsiteY25"/>
+              </a:cxn>
+            </a:cxnLst>
+            <a:rect l="l" t="t" r="r" b="b"/>
+            <a:pathLst>
+              <a:path w="4988560" h="1798320">
+                <a:moveTo>
+                  <a:pt x="4988560" y="0"/>
+                </a:moveTo>
+                <a:lnTo>
+                  <a:pt x="4765040" y="193040"/>
+                </a:lnTo>
+                <a:cubicBezTo>
+                  <a:pt x="4683541" y="263909"/>
+                  <a:pt x="4610198" y="345214"/>
+                  <a:pt x="4521200" y="406400"/>
+                </a:cubicBezTo>
+                <a:cubicBezTo>
+                  <a:pt x="4467013" y="443653"/>
+                  <a:pt x="4411820" y="479483"/>
+                  <a:pt x="4358640" y="518160"/>
+                </a:cubicBezTo>
+                <a:cubicBezTo>
+                  <a:pt x="4307614" y="555270"/>
+                  <a:pt x="4293194" y="581363"/>
+                  <a:pt x="4236720" y="609600"/>
+                </a:cubicBezTo>
+                <a:cubicBezTo>
+                  <a:pt x="4217562" y="619179"/>
+                  <a:pt x="4196080" y="623147"/>
+                  <a:pt x="4175760" y="629920"/>
+                </a:cubicBezTo>
+                <a:cubicBezTo>
+                  <a:pt x="4162213" y="640080"/>
+                  <a:pt x="4150889" y="654230"/>
+                  <a:pt x="4135120" y="660400"/>
+                </a:cubicBezTo>
+                <a:cubicBezTo>
+                  <a:pt x="3994466" y="715439"/>
+                  <a:pt x="3853398" y="770509"/>
+                  <a:pt x="3708400" y="812800"/>
+                </a:cubicBezTo>
+                <a:cubicBezTo>
+                  <a:pt x="3545840" y="860213"/>
+                  <a:pt x="3379512" y="896228"/>
+                  <a:pt x="3220720" y="955040"/>
+                </a:cubicBezTo>
+                <a:cubicBezTo>
+                  <a:pt x="3129280" y="988907"/>
+                  <a:pt x="3038546" y="1024743"/>
+                  <a:pt x="2946400" y="1056640"/>
+                </a:cubicBezTo>
+                <a:cubicBezTo>
+                  <a:pt x="2862395" y="1085719"/>
+                  <a:pt x="2775996" y="1107683"/>
+                  <a:pt x="2692400" y="1137920"/>
+                </a:cubicBezTo>
+                <a:cubicBezTo>
+                  <a:pt x="2616700" y="1165301"/>
+                  <a:pt x="2544565" y="1201938"/>
+                  <a:pt x="2468880" y="1229360"/>
+                </a:cubicBezTo>
+                <a:cubicBezTo>
+                  <a:pt x="2310793" y="1286638"/>
+                  <a:pt x="2150346" y="1337187"/>
+                  <a:pt x="1991360" y="1391920"/>
+                </a:cubicBezTo>
+                <a:cubicBezTo>
+                  <a:pt x="1943756" y="1408308"/>
+                  <a:pt x="1897421" y="1428514"/>
+                  <a:pt x="1849120" y="1442720"/>
+                </a:cubicBezTo>
+                <a:lnTo>
+                  <a:pt x="1676400" y="1493520"/>
+                </a:lnTo>
+                <a:cubicBezTo>
+                  <a:pt x="1642499" y="1503565"/>
+                  <a:pt x="1609471" y="1517066"/>
+                  <a:pt x="1574800" y="1524000"/>
+                </a:cubicBezTo>
+                <a:cubicBezTo>
+                  <a:pt x="1540933" y="1530773"/>
+                  <a:pt x="1506368" y="1534691"/>
+                  <a:pt x="1473200" y="1544320"/>
+                </a:cubicBezTo>
+                <a:cubicBezTo>
+                  <a:pt x="1125105" y="1645380"/>
+                  <a:pt x="1383506" y="1592955"/>
+                  <a:pt x="1148080" y="1635760"/>
+                </a:cubicBezTo>
+                <a:cubicBezTo>
+                  <a:pt x="1137920" y="1642533"/>
+                  <a:pt x="1129271" y="1652489"/>
+                  <a:pt x="1117600" y="1656080"/>
+                </a:cubicBezTo>
+                <a:cubicBezTo>
+                  <a:pt x="1037251" y="1680803"/>
+                  <a:pt x="1012304" y="1672869"/>
+                  <a:pt x="934720" y="1686560"/>
+                </a:cubicBezTo>
+                <a:cubicBezTo>
+                  <a:pt x="903972" y="1691986"/>
+                  <a:pt x="874166" y="1702304"/>
+                  <a:pt x="843280" y="1706880"/>
+                </a:cubicBezTo>
+                <a:cubicBezTo>
+                  <a:pt x="782607" y="1715869"/>
+                  <a:pt x="720746" y="1716228"/>
+                  <a:pt x="660400" y="1727200"/>
+                </a:cubicBezTo>
+                <a:cubicBezTo>
+                  <a:pt x="558809" y="1745671"/>
+                  <a:pt x="564791" y="1746044"/>
+                  <a:pt x="477520" y="1757680"/>
+                </a:cubicBezTo>
+                <a:cubicBezTo>
+                  <a:pt x="353961" y="1774154"/>
+                  <a:pt x="434012" y="1762514"/>
+                  <a:pt x="294640" y="1778000"/>
+                </a:cubicBezTo>
+                <a:cubicBezTo>
+                  <a:pt x="267503" y="1781015"/>
+                  <a:pt x="240599" y="1786281"/>
+                  <a:pt x="213360" y="1788160"/>
+                </a:cubicBezTo>
+                <a:cubicBezTo>
+                  <a:pt x="142328" y="1793059"/>
+                  <a:pt x="71120" y="1794933"/>
+                  <a:pt x="0" y="1798320"/>
+                </a:cubicBezTo>
+              </a:path>
+            </a:pathLst>
+          </a:custGeom>
+          <a:noFill/>
+          <a:ln w="38100"/>
+        </p:spPr>
+        <p:style>
+          <a:lnRef idx="2">
+            <a:schemeClr val="accent1">
+              <a:shade val="15000"/>
+            </a:schemeClr>
+          </a:lnRef>
+          <a:fillRef idx="1">
+            <a:schemeClr val="accent1"/>
+          </a:fillRef>
+          <a:effectRef idx="0">
+            <a:schemeClr val="accent1"/>
+          </a:effectRef>
+          <a:fontRef idx="minor">
+            <a:schemeClr val="lt1"/>
+          </a:fontRef>
+        </p:style>
+        <p:txBody>
+          <a:bodyPr rtlCol="0" anchor="ctr"/>
+          <a:lstStyle/>
+          <a:p>
+            <a:pPr algn="ctr"/>
+            <a:endParaRPr lang="en-US"/>
+          </a:p>
+        </p:txBody>
+      </p:sp>
+      <p:sp>
+        <p:nvSpPr>
+          <p:cNvPr id="26" name="TextBox 25">
+            <a:extLst>
+              <a:ext uri="{FF2B5EF4-FFF2-40B4-BE49-F238E27FC236}">
+                <a16:creationId xmlns:a16="http://schemas.microsoft.com/office/drawing/2014/main" id="{B278932F-D4C4-30FD-98ED-F79B50CF591A}"/>
+              </a:ext>
+            </a:extLst>
+          </p:cNvPr>
+          <p:cNvSpPr txBox="1"/>
+          <p:nvPr/>
+        </p:nvSpPr>
+        <p:spPr>
+          <a:xfrm rot="20560187">
+            <a:off x="3552463" y="4307645"/>
+            <a:ext cx="3076420" cy="369332"/>
+          </a:xfrm>
+          <a:prstGeom prst="rect">
+            <a:avLst/>
+          </a:prstGeom>
+          <a:noFill/>
+        </p:spPr>
+        <p:txBody>
+          <a:bodyPr wrap="none" rtlCol="0">
+            <a:spAutoFit/>
+          </a:bodyPr>
+          <a:lstStyle/>
+          <a:p>
+            <a:r>
+              <a:rPr lang="en-US" dirty="0"/>
+              <a:t>Plugged into smart power strip</a:t>
+            </a:r>
+          </a:p>
+        </p:txBody>
+      </p:sp>
+    </p:spTree>
+    <p:extLst>
+      <p:ext uri="{BB962C8B-B14F-4D97-AF65-F5344CB8AC3E}">
+        <p14:creationId xmlns:p14="http://schemas.microsoft.com/office/powerpoint/2010/main" val="3922547704"/>
       </p:ext>
     </p:extLst>
   </p:cSld>

--- a/Presentation/Bubble issue Jan 2024 mux.pptx
+++ b/Presentation/Bubble issue Jan 2024 mux.pptx
@@ -4235,7 +4235,7 @@
           <a:p>
             <a:fld id="{0F939D3D-C052-447F-AF72-803AA7F2A4AB}" type="datetimeFigureOut">
               <a:rPr lang="en-US" smtClean="0"/>
-              <a:t>3/21/2025</a:t>
+              <a:t>5/21/2025</a:t>
             </a:fld>
             <a:endParaRPr lang="en-US"/>
           </a:p>
@@ -4433,7 +4433,7 @@
           <a:p>
             <a:fld id="{0F939D3D-C052-447F-AF72-803AA7F2A4AB}" type="datetimeFigureOut">
               <a:rPr lang="en-US" smtClean="0"/>
-              <a:t>3/21/2025</a:t>
+              <a:t>5/21/2025</a:t>
             </a:fld>
             <a:endParaRPr lang="en-US"/>
           </a:p>
@@ -4641,7 +4641,7 @@
           <a:p>
             <a:fld id="{0F939D3D-C052-447F-AF72-803AA7F2A4AB}" type="datetimeFigureOut">
               <a:rPr lang="en-US" smtClean="0"/>
-              <a:t>3/21/2025</a:t>
+              <a:t>5/21/2025</a:t>
             </a:fld>
             <a:endParaRPr lang="en-US"/>
           </a:p>
@@ -4839,7 +4839,7 @@
           <a:p>
             <a:fld id="{0F939D3D-C052-447F-AF72-803AA7F2A4AB}" type="datetimeFigureOut">
               <a:rPr lang="en-US" smtClean="0"/>
-              <a:t>3/21/2025</a:t>
+              <a:t>5/21/2025</a:t>
             </a:fld>
             <a:endParaRPr lang="en-US"/>
           </a:p>
@@ -5114,7 +5114,7 @@
           <a:p>
             <a:fld id="{0F939D3D-C052-447F-AF72-803AA7F2A4AB}" type="datetimeFigureOut">
               <a:rPr lang="en-US" smtClean="0"/>
-              <a:t>3/21/2025</a:t>
+              <a:t>5/21/2025</a:t>
             </a:fld>
             <a:endParaRPr lang="en-US"/>
           </a:p>
@@ -5379,7 +5379,7 @@
           <a:p>
             <a:fld id="{0F939D3D-C052-447F-AF72-803AA7F2A4AB}" type="datetimeFigureOut">
               <a:rPr lang="en-US" smtClean="0"/>
-              <a:t>3/21/2025</a:t>
+              <a:t>5/21/2025</a:t>
             </a:fld>
             <a:endParaRPr lang="en-US"/>
           </a:p>
@@ -5791,7 +5791,7 @@
           <a:p>
             <a:fld id="{0F939D3D-C052-447F-AF72-803AA7F2A4AB}" type="datetimeFigureOut">
               <a:rPr lang="en-US" smtClean="0"/>
-              <a:t>3/21/2025</a:t>
+              <a:t>5/21/2025</a:t>
             </a:fld>
             <a:endParaRPr lang="en-US"/>
           </a:p>
@@ -5932,7 +5932,7 @@
           <a:p>
             <a:fld id="{0F939D3D-C052-447F-AF72-803AA7F2A4AB}" type="datetimeFigureOut">
               <a:rPr lang="en-US" smtClean="0"/>
-              <a:t>3/21/2025</a:t>
+              <a:t>5/21/2025</a:t>
             </a:fld>
             <a:endParaRPr lang="en-US"/>
           </a:p>
@@ -6045,7 +6045,7 @@
           <a:p>
             <a:fld id="{0F939D3D-C052-447F-AF72-803AA7F2A4AB}" type="datetimeFigureOut">
               <a:rPr lang="en-US" smtClean="0"/>
-              <a:t>3/21/2025</a:t>
+              <a:t>5/21/2025</a:t>
             </a:fld>
             <a:endParaRPr lang="en-US"/>
           </a:p>
@@ -6356,7 +6356,7 @@
           <a:p>
             <a:fld id="{0F939D3D-C052-447F-AF72-803AA7F2A4AB}" type="datetimeFigureOut">
               <a:rPr lang="en-US" smtClean="0"/>
-              <a:t>3/21/2025</a:t>
+              <a:t>5/21/2025</a:t>
             </a:fld>
             <a:endParaRPr lang="en-US"/>
           </a:p>
@@ -6644,7 +6644,7 @@
           <a:p>
             <a:fld id="{0F939D3D-C052-447F-AF72-803AA7F2A4AB}" type="datetimeFigureOut">
               <a:rPr lang="en-US" smtClean="0"/>
-              <a:t>3/21/2025</a:t>
+              <a:t>5/21/2025</a:t>
             </a:fld>
             <a:endParaRPr lang="en-US"/>
           </a:p>
@@ -6885,7 +6885,7 @@
           <a:p>
             <a:fld id="{0F939D3D-C052-447F-AF72-803AA7F2A4AB}" type="datetimeFigureOut">
               <a:rPr lang="en-US" smtClean="0"/>
-              <a:t>3/21/2025</a:t>
+              <a:t>5/21/2025</a:t>
             </a:fld>
             <a:endParaRPr lang="en-US"/>
           </a:p>
@@ -7924,6 +7924,99 @@
           </a:p>
         </p:txBody>
       </p:sp>
+      <p:sp>
+        <p:nvSpPr>
+          <p:cNvPr id="2" name="TextBox 1">
+            <a:extLst>
+              <a:ext uri="{FF2B5EF4-FFF2-40B4-BE49-F238E27FC236}">
+                <a16:creationId xmlns:a16="http://schemas.microsoft.com/office/drawing/2014/main" id="{9318662C-26DF-A5EB-5113-118DC4CFF373}"/>
+              </a:ext>
+            </a:extLst>
+          </p:cNvPr>
+          <p:cNvSpPr txBox="1"/>
+          <p:nvPr/>
+        </p:nvSpPr>
+        <p:spPr>
+          <a:xfrm>
+            <a:off x="3506389" y="3028040"/>
+            <a:ext cx="929935" cy="646331"/>
+          </a:xfrm>
+          <a:prstGeom prst="rect">
+            <a:avLst/>
+          </a:prstGeom>
+          <a:solidFill>
+            <a:schemeClr val="bg1"/>
+          </a:solidFill>
+          <a:ln w="25400">
+            <a:solidFill>
+              <a:srgbClr val="FF0000"/>
+            </a:solidFill>
+          </a:ln>
+        </p:spPr>
+        <p:txBody>
+          <a:bodyPr wrap="square" rtlCol="0">
+            <a:spAutoFit/>
+          </a:bodyPr>
+          <a:lstStyle/>
+          <a:p>
+            <a:r>
+              <a:rPr lang="en-US" dirty="0"/>
+              <a:t>Turn on</a:t>
+            </a:r>
+          </a:p>
+          <a:p>
+            <a:r>
+              <a:rPr lang="en-US" dirty="0"/>
+              <a:t>OB1</a:t>
+            </a:r>
+          </a:p>
+        </p:txBody>
+      </p:sp>
+      <p:cxnSp>
+        <p:nvCxnSpPr>
+          <p:cNvPr id="3" name="Straight Arrow Connector 2">
+            <a:extLst>
+              <a:ext uri="{FF2B5EF4-FFF2-40B4-BE49-F238E27FC236}">
+                <a16:creationId xmlns:a16="http://schemas.microsoft.com/office/drawing/2014/main" id="{8DC2CFF0-0490-A63F-7761-4F3F36C7C782}"/>
+              </a:ext>
+            </a:extLst>
+          </p:cNvPr>
+          <p:cNvCxnSpPr>
+            <a:cxnSpLocks/>
+            <a:stCxn id="2" idx="2"/>
+          </p:cNvCxnSpPr>
+          <p:nvPr/>
+        </p:nvCxnSpPr>
+        <p:spPr>
+          <a:xfrm flipH="1">
+            <a:off x="3279531" y="3674371"/>
+            <a:ext cx="691826" cy="1499902"/>
+          </a:xfrm>
+          <a:prstGeom prst="straightConnector1">
+            <a:avLst/>
+          </a:prstGeom>
+          <a:ln w="25400">
+            <a:solidFill>
+              <a:srgbClr val="FF0000"/>
+            </a:solidFill>
+            <a:tailEnd type="triangle"/>
+          </a:ln>
+        </p:spPr>
+        <p:style>
+          <a:lnRef idx="2">
+            <a:schemeClr val="accent1"/>
+          </a:lnRef>
+          <a:fillRef idx="0">
+            <a:schemeClr val="accent1"/>
+          </a:fillRef>
+          <a:effectRef idx="1">
+            <a:schemeClr val="accent1"/>
+          </a:effectRef>
+          <a:fontRef idx="minor">
+            <a:schemeClr val="tx1"/>
+          </a:fontRef>
+        </p:style>
+      </p:cxnSp>
     </p:spTree>
     <p:extLst>
       <p:ext uri="{BB962C8B-B14F-4D97-AF65-F5344CB8AC3E}">
